--- a/LogicaDeProgramacao/Aula04-PythonResumo/04-PythonResumo.pptx
+++ b/LogicaDeProgramacao/Aula04-PythonResumo/04-PythonResumo.pptx
@@ -316,7 +316,7 @@
               <a:pPr>
                 <a:defRPr/>
               </a:pPr>
-              <a:t>28/08/2018</a:t>
+              <a:t>29/08/2018</a:t>
             </a:fld>
             <a:endParaRPr lang="pt-BR"/>
           </a:p>
@@ -508,7 +508,7 @@
               <a:pPr>
                 <a:defRPr/>
               </a:pPr>
-              <a:t>28/08/2018</a:t>
+              <a:t>29/08/2018</a:t>
             </a:fld>
             <a:endParaRPr lang="pt-BR"/>
           </a:p>
@@ -710,7 +710,7 @@
               <a:pPr>
                 <a:defRPr/>
               </a:pPr>
-              <a:t>28/08/2018</a:t>
+              <a:t>29/08/2018</a:t>
             </a:fld>
             <a:endParaRPr lang="pt-BR"/>
           </a:p>
@@ -991,7 +991,7 @@
             <a:fld id="{2E700DB3-DBF0-4086-B675-117E7A9610B8}" type="datetimeFigureOut">
               <a:rPr lang="pt-BR" smtClean="0"/>
               <a:pPr/>
-              <a:t>28/08/2018</a:t>
+              <a:t>29/08/2018</a:t>
             </a:fld>
             <a:endParaRPr lang="pt-BR"/>
           </a:p>
@@ -1088,6 +1088,62 @@
           <a:chExt cx="0" cy="0"/>
         </a:xfrm>
       </p:grpSpPr>
+      <p:pic>
+        <p:nvPicPr>
+          <p:cNvPr id="10" name="Picture 3"/>
+          <p:cNvPicPr>
+            <a:picLocks noChangeAspect="1" noChangeArrowheads="1"/>
+          </p:cNvPicPr>
+          <p:nvPr userDrawn="1"/>
+        </p:nvPicPr>
+        <p:blipFill>
+          <a:blip r:embed="rId2" cstate="print">
+            <a:lum bright="48000" contrast="-50000"/>
+          </a:blip>
+          <a:srcRect/>
+          <a:stretch>
+            <a:fillRect/>
+          </a:stretch>
+        </p:blipFill>
+        <p:spPr bwMode="auto">
+          <a:xfrm>
+            <a:off x="0" y="0"/>
+            <a:ext cx="1835696" cy="6858000"/>
+          </a:xfrm>
+          <a:prstGeom prst="rect">
+            <a:avLst/>
+          </a:prstGeom>
+          <a:gradFill>
+            <a:gsLst>
+              <a:gs pos="0">
+                <a:schemeClr val="accent1">
+                  <a:tint val="66000"/>
+                  <a:satMod val="160000"/>
+                </a:schemeClr>
+              </a:gs>
+              <a:gs pos="50000">
+                <a:schemeClr val="accent1">
+                  <a:tint val="44500"/>
+                  <a:satMod val="160000"/>
+                </a:schemeClr>
+              </a:gs>
+              <a:gs pos="100000">
+                <a:schemeClr val="accent1">
+                  <a:tint val="23500"/>
+                  <a:satMod val="160000"/>
+                </a:schemeClr>
+              </a:gs>
+            </a:gsLst>
+            <a:lin ang="5400000" scaled="0"/>
+          </a:gradFill>
+          <a:ln w="9525">
+            <a:noFill/>
+            <a:miter lim="800000"/>
+            <a:headEnd/>
+            <a:tailEnd/>
+          </a:ln>
+        </p:spPr>
+      </p:pic>
       <p:sp>
         <p:nvSpPr>
           <p:cNvPr id="7" name="Rectangle 6"/>
@@ -1301,7 +1357,7 @@
             <a:fld id="{2E700DB3-DBF0-4086-B675-117E7A9610B8}" type="datetimeFigureOut">
               <a:rPr lang="pt-BR" smtClean="0"/>
               <a:pPr/>
-              <a:t>28/08/2018</a:t>
+              <a:t>29/08/2018</a:t>
             </a:fld>
             <a:endParaRPr lang="pt-BR"/>
           </a:p>
@@ -1333,50 +1389,22 @@
           </a:p>
         </p:txBody>
       </p:sp>
-      <p:pic>
-        <p:nvPicPr>
-          <p:cNvPr id="8" name="Picture 2" descr="Resultado de imagem para ada lovelace"/>
-          <p:cNvPicPr>
-            <a:picLocks noChangeAspect="1" noChangeArrowheads="1"/>
-          </p:cNvPicPr>
+      <p:sp>
+        <p:nvSpPr>
+          <p:cNvPr id="9" name="TextBox 8"/>
+          <p:cNvSpPr txBox="1"/>
           <p:nvPr userDrawn="1"/>
-        </p:nvPicPr>
-        <p:blipFill>
-          <a:blip r:embed="rId2" cstate="print">
-            <a:lum bright="8000" contrast="-66000"/>
-          </a:blip>
-          <a:srcRect/>
-          <a:stretch>
-            <a:fillRect/>
-          </a:stretch>
-        </p:blipFill>
-        <p:spPr bwMode="auto">
+        </p:nvSpPr>
+        <p:spPr>
           <a:xfrm>
-            <a:off x="-396552" y="0"/>
-            <a:ext cx="2447925" cy="6858000"/>
+            <a:off x="251520" y="5951021"/>
+            <a:ext cx="1656184" cy="646331"/>
           </a:xfrm>
           <a:prstGeom prst="rect">
             <a:avLst/>
           </a:prstGeom>
           <a:noFill/>
         </p:spPr>
-      </p:pic>
-      <p:sp>
-        <p:nvSpPr>
-          <p:cNvPr id="9" name="TextBox 8"/>
-          <p:cNvSpPr txBox="1"/>
-          <p:nvPr userDrawn="1"/>
-        </p:nvSpPr>
-        <p:spPr>
-          <a:xfrm>
-            <a:off x="251520" y="6023610"/>
-            <a:ext cx="1872208" cy="646331"/>
-          </a:xfrm>
-          <a:prstGeom prst="rect">
-            <a:avLst/>
-          </a:prstGeom>
-          <a:noFill/>
-        </p:spPr>
         <p:txBody>
           <a:bodyPr wrap="square" rtlCol="0">
             <a:spAutoFit/>
@@ -1386,32 +1414,41 @@
             <a:r>
               <a:rPr lang="pt-BR" b="1" dirty="0" smtClean="0">
                 <a:solidFill>
-                  <a:schemeClr val="tx2">
-                    <a:lumMod val="10000"/>
-                  </a:schemeClr>
+                  <a:schemeClr val="bg1"/>
                 </a:solidFill>
                 <a:latin typeface="Book Antiqua" pitchFamily="18" charset="0"/>
               </a:rPr>
-              <a:t>Ada Lovelace</a:t>
-            </a:r>
+              <a:t>Alan Turing</a:t>
+            </a:r>
+            <a:endParaRPr lang="pt-BR" b="1" dirty="0" smtClean="0">
+              <a:solidFill>
+                <a:schemeClr val="bg1"/>
+              </a:solidFill>
+              <a:latin typeface="Book Antiqua" pitchFamily="18" charset="0"/>
+            </a:endParaRPr>
           </a:p>
           <a:p>
             <a:r>
               <a:rPr lang="pt-BR" b="1" dirty="0" smtClean="0">
                 <a:solidFill>
-                  <a:schemeClr val="tx2">
-                    <a:lumMod val="10000"/>
-                  </a:schemeClr>
+                  <a:schemeClr val="bg1"/>
                 </a:solidFill>
                 <a:latin typeface="Book Antiqua" pitchFamily="18" charset="0"/>
               </a:rPr>
-              <a:t>(1815-1852)</a:t>
+              <a:t>(</a:t>
+            </a:r>
+            <a:r>
+              <a:rPr lang="pt-BR" b="1" dirty="0" smtClean="0">
+                <a:solidFill>
+                  <a:schemeClr val="bg1"/>
+                </a:solidFill>
+                <a:latin typeface="Book Antiqua" pitchFamily="18" charset="0"/>
+              </a:rPr>
+              <a:t>1912-1954)</a:t>
             </a:r>
             <a:endParaRPr lang="pt-BR" b="1" dirty="0">
               <a:solidFill>
-                <a:schemeClr val="tx2">
-                  <a:lumMod val="10000"/>
-                </a:schemeClr>
+                <a:schemeClr val="bg1"/>
               </a:solidFill>
               <a:latin typeface="Book Antiqua" pitchFamily="18" charset="0"/>
             </a:endParaRPr>
@@ -1648,7 +1685,7 @@
             <a:fld id="{2E700DB3-DBF0-4086-B675-117E7A9610B8}" type="datetimeFigureOut">
               <a:rPr lang="pt-BR" smtClean="0"/>
               <a:pPr/>
-              <a:t>28/08/2018</a:t>
+              <a:t>29/08/2018</a:t>
             </a:fld>
             <a:endParaRPr lang="pt-BR"/>
           </a:p>
@@ -1938,7 +1975,7 @@
             <a:fld id="{2E700DB3-DBF0-4086-B675-117E7A9610B8}" type="datetimeFigureOut">
               <a:rPr lang="pt-BR" smtClean="0"/>
               <a:pPr/>
-              <a:t>28/08/2018</a:t>
+              <a:t>29/08/2018</a:t>
             </a:fld>
             <a:endParaRPr lang="pt-BR"/>
           </a:p>
@@ -2494,7 +2531,7 @@
             <a:fld id="{2E700DB3-DBF0-4086-B675-117E7A9610B8}" type="datetimeFigureOut">
               <a:rPr lang="pt-BR" smtClean="0"/>
               <a:pPr/>
-              <a:t>28/08/2018</a:t>
+              <a:t>29/08/2018</a:t>
             </a:fld>
             <a:endParaRPr lang="pt-BR"/>
           </a:p>
@@ -2627,7 +2664,7 @@
             <a:fld id="{2E700DB3-DBF0-4086-B675-117E7A9610B8}" type="datetimeFigureOut">
               <a:rPr lang="pt-BR" smtClean="0"/>
               <a:pPr/>
-              <a:t>28/08/2018</a:t>
+              <a:t>29/08/2018</a:t>
             </a:fld>
             <a:endParaRPr lang="pt-BR"/>
           </a:p>
@@ -2779,7 +2816,7 @@
             <a:fld id="{2E700DB3-DBF0-4086-B675-117E7A9610B8}" type="datetimeFigureOut">
               <a:rPr lang="pt-BR" smtClean="0"/>
               <a:pPr/>
-              <a:t>28/08/2018</a:t>
+              <a:t>29/08/2018</a:t>
             </a:fld>
             <a:endParaRPr lang="pt-BR"/>
           </a:p>
@@ -3102,7 +3139,7 @@
             <a:fld id="{2E700DB3-DBF0-4086-B675-117E7A9610B8}" type="datetimeFigureOut">
               <a:rPr lang="pt-BR" smtClean="0"/>
               <a:pPr/>
-              <a:t>28/08/2018</a:t>
+              <a:t>29/08/2018</a:t>
             </a:fld>
             <a:endParaRPr lang="pt-BR"/>
           </a:p>
@@ -3301,7 +3338,7 @@
               <a:pPr>
                 <a:defRPr/>
               </a:pPr>
-              <a:t>28/08/2018</a:t>
+              <a:t>29/08/2018</a:t>
             </a:fld>
             <a:endParaRPr lang="pt-BR"/>
           </a:p>
@@ -3593,7 +3630,7 @@
             <a:fld id="{2E700DB3-DBF0-4086-B675-117E7A9610B8}" type="datetimeFigureOut">
               <a:rPr lang="pt-BR" smtClean="0"/>
               <a:pPr/>
-              <a:t>28/08/2018</a:t>
+              <a:t>29/08/2018</a:t>
             </a:fld>
             <a:endParaRPr lang="pt-BR"/>
           </a:p>
@@ -3789,7 +3826,7 @@
             <a:fld id="{2E700DB3-DBF0-4086-B675-117E7A9610B8}" type="datetimeFigureOut">
               <a:rPr lang="pt-BR" smtClean="0"/>
               <a:pPr/>
-              <a:t>28/08/2018</a:t>
+              <a:t>29/08/2018</a:t>
             </a:fld>
             <a:endParaRPr lang="pt-BR"/>
           </a:p>
@@ -3979,7 +4016,7 @@
             <a:fld id="{2E700DB3-DBF0-4086-B675-117E7A9610B8}" type="datetimeFigureOut">
               <a:rPr lang="pt-BR" smtClean="0"/>
               <a:pPr/>
-              <a:t>28/08/2018</a:t>
+              <a:t>29/08/2018</a:t>
             </a:fld>
             <a:endParaRPr lang="pt-BR"/>
           </a:p>
@@ -4069,7 +4106,7 @@
           <a:blip r:embed="rId2" cstate="print">
             <a:extLst>
               <a:ext uri="{BEBA8EAE-BF5A-486C-A8C5-ECC9F3942E4B}">
-                <a14:imgProps xmlns="" xmlns:a14="http://schemas.microsoft.com/office/drawing/2010/main">
+                <a14:imgProps xmlns:a14="http://schemas.microsoft.com/office/drawing/2010/main" xmlns="">
                   <a14:imgLayer r:embed="rId3">
                     <a14:imgEffect>
                       <a14:saturation sat="305000"/>
@@ -4113,7 +4150,7 @@
           <a:blip r:embed="rId4" cstate="print">
             <a:extLst>
               <a:ext uri="{28A0092B-C50C-407E-A947-70E740481C1C}">
-                <a14:useLocalDpi xmlns="" xmlns:a14="http://schemas.microsoft.com/office/drawing/2010/main" val="0"/>
+                <a14:useLocalDpi xmlns:a14="http://schemas.microsoft.com/office/drawing/2010/main" xmlns="" val="0"/>
               </a:ext>
             </a:extLst>
           </a:blip>
@@ -4136,14 +4173,14 @@
           </a:ln>
           <a:extLst>
             <a:ext uri="{909E8E84-426E-40DD-AFC4-6F175D3DCCD1}">
-              <a14:hiddenFill xmlns="" xmlns:a14="http://schemas.microsoft.com/office/drawing/2010/main">
+              <a14:hiddenFill xmlns:a14="http://schemas.microsoft.com/office/drawing/2010/main" xmlns="">
                 <a:solidFill>
                   <a:srgbClr val="FFFFFF"/>
                 </a:solidFill>
               </a14:hiddenFill>
             </a:ext>
             <a:ext uri="{91240B29-F687-4F45-9708-019B960494DF}">
-              <a14:hiddenLine xmlns="" xmlns:a14="http://schemas.microsoft.com/office/drawing/2010/main" w="9525">
+              <a14:hiddenLine xmlns:a14="http://schemas.microsoft.com/office/drawing/2010/main" xmlns="" w="9525">
                 <a:solidFill>
                   <a:srgbClr val="000000"/>
                 </a:solidFill>
@@ -4418,7 +4455,7 @@
               <a:pPr>
                 <a:defRPr/>
               </a:pPr>
-              <a:t>28/08/2018</a:t>
+              <a:t>29/08/2018</a:t>
             </a:fld>
             <a:endParaRPr lang="pt-BR"/>
           </a:p>
@@ -4728,7 +4765,7 @@
               <a:pPr>
                 <a:defRPr/>
               </a:pPr>
-              <a:t>28/08/2018</a:t>
+              <a:t>29/08/2018</a:t>
             </a:fld>
             <a:endParaRPr lang="pt-BR"/>
           </a:p>
@@ -5172,7 +5209,7 @@
               <a:pPr>
                 <a:defRPr/>
               </a:pPr>
-              <a:t>28/08/2018</a:t>
+              <a:t>29/08/2018</a:t>
             </a:fld>
             <a:endParaRPr lang="pt-BR"/>
           </a:p>
@@ -5312,7 +5349,7 @@
               <a:pPr>
                 <a:defRPr/>
               </a:pPr>
-              <a:t>28/08/2018</a:t>
+              <a:t>29/08/2018</a:t>
             </a:fld>
             <a:endParaRPr lang="pt-BR"/>
           </a:p>
@@ -5429,7 +5466,7 @@
               <a:pPr>
                 <a:defRPr/>
               </a:pPr>
-              <a:t>28/08/2018</a:t>
+              <a:t>29/08/2018</a:t>
             </a:fld>
             <a:endParaRPr lang="pt-BR"/>
           </a:p>
@@ -5728,7 +5765,7 @@
               <a:pPr>
                 <a:defRPr/>
               </a:pPr>
-              <a:t>28/08/2018</a:t>
+              <a:t>29/08/2018</a:t>
             </a:fld>
             <a:endParaRPr lang="pt-BR"/>
           </a:p>
@@ -6006,7 +6043,7 @@
               <a:pPr>
                 <a:defRPr/>
               </a:pPr>
-              <a:t>28/08/2018</a:t>
+              <a:t>29/08/2018</a:t>
             </a:fld>
             <a:endParaRPr lang="pt-BR"/>
           </a:p>
@@ -6113,7 +6150,7 @@
           <a:blip r:embed="rId13" cstate="print">
             <a:extLst>
               <a:ext uri="{BEBA8EAE-BF5A-486C-A8C5-ECC9F3942E4B}">
-                <a14:imgProps xmlns="" xmlns:a14="http://schemas.microsoft.com/office/drawing/2010/main">
+                <a14:imgProps xmlns:a14="http://schemas.microsoft.com/office/drawing/2010/main" xmlns="">
                   <a14:imgLayer r:embed="rId14">
                     <a14:imgEffect>
                       <a14:saturation sat="305000"/>
@@ -6300,7 +6337,7 @@
               <a:pPr>
                 <a:defRPr/>
               </a:pPr>
-              <a:t>28/08/2018</a:t>
+              <a:t>29/08/2018</a:t>
             </a:fld>
             <a:endParaRPr lang="pt-BR"/>
           </a:p>
@@ -6437,7 +6474,7 @@
           <a:blip r:embed="rId16" cstate="print">
             <a:extLst>
               <a:ext uri="{28A0092B-C50C-407E-A947-70E740481C1C}">
-                <a14:useLocalDpi xmlns="" xmlns:a14="http://schemas.microsoft.com/office/drawing/2010/main" val="0"/>
+                <a14:useLocalDpi xmlns:a14="http://schemas.microsoft.com/office/drawing/2010/main" xmlns="" val="0"/>
               </a:ext>
             </a:extLst>
           </a:blip>
@@ -6458,14 +6495,14 @@
           </a:ln>
           <a:extLst>
             <a:ext uri="{909E8E84-426E-40DD-AFC4-6F175D3DCCD1}">
-              <a14:hiddenFill xmlns="" xmlns:a14="http://schemas.microsoft.com/office/drawing/2010/main">
+              <a14:hiddenFill xmlns:a14="http://schemas.microsoft.com/office/drawing/2010/main" xmlns="">
                 <a:solidFill>
                   <a:srgbClr val="FFFFFF"/>
                 </a:solidFill>
               </a14:hiddenFill>
             </a:ext>
             <a:ext uri="{91240B29-F687-4F45-9708-019B960494DF}">
-              <a14:hiddenLine xmlns="" xmlns:a14="http://schemas.microsoft.com/office/drawing/2010/main" w="9525">
+              <a14:hiddenLine xmlns:a14="http://schemas.microsoft.com/office/drawing/2010/main" xmlns="" w="9525">
                 <a:solidFill>
                   <a:srgbClr val="000000"/>
                 </a:solidFill>
@@ -7042,7 +7079,7 @@
             <a:fld id="{2E700DB3-DBF0-4086-B675-117E7A9610B8}" type="datetimeFigureOut">
               <a:rPr lang="pt-BR" smtClean="0"/>
               <a:pPr/>
-              <a:t>28/08/2018</a:t>
+              <a:t>29/08/2018</a:t>
             </a:fld>
             <a:endParaRPr lang="pt-BR"/>
           </a:p>
@@ -7533,32 +7570,6 @@
           <a:chExt cx="0" cy="0"/>
         </a:xfrm>
       </p:grpSpPr>
-      <p:pic>
-        <p:nvPicPr>
-          <p:cNvPr id="9218" name="Picture 2" descr="Resultado de imagem para ada lovelace"/>
-          <p:cNvPicPr>
-            <a:picLocks noChangeAspect="1" noChangeArrowheads="1"/>
-          </p:cNvPicPr>
-          <p:nvPr/>
-        </p:nvPicPr>
-        <p:blipFill>
-          <a:blip r:embed="rId2" cstate="print"/>
-          <a:srcRect/>
-          <a:stretch>
-            <a:fillRect/>
-          </a:stretch>
-        </p:blipFill>
-        <p:spPr bwMode="auto">
-          <a:xfrm>
-            <a:off x="6696077" y="0"/>
-            <a:ext cx="2447925" cy="6858000"/>
-          </a:xfrm>
-          <a:prstGeom prst="rect">
-            <a:avLst/>
-          </a:prstGeom>
-          <a:noFill/>
-        </p:spPr>
-      </p:pic>
       <p:sp>
         <p:nvSpPr>
           <p:cNvPr id="2" name="Retângulo 1"/>
@@ -7856,14 +7867,6 @@
               </a:rPr>
               <a:t>Python - Revisão</a:t>
             </a:r>
-            <a:endParaRPr lang="pt-BR" altLang="pt-BR" sz="2800" b="1" dirty="0" smtClean="0">
-              <a:solidFill>
-                <a:schemeClr val="accent5">
-                  <a:lumMod val="20000"/>
-                  <a:lumOff val="80000"/>
-                </a:schemeClr>
-              </a:solidFill>
-            </a:endParaRPr>
           </a:p>
           <a:p>
             <a:pPr eaLnBrk="1" hangingPunct="1">
@@ -7892,7 +7895,7 @@
         <p:spPr>
           <a:xfrm>
             <a:off x="2051720" y="5661248"/>
-            <a:ext cx="4572000" cy="646331"/>
+            <a:ext cx="4572000" cy="923330"/>
           </a:xfrm>
           <a:prstGeom prst="rect">
             <a:avLst/>
@@ -7912,7 +7915,37 @@
                   </a:schemeClr>
                 </a:solidFill>
               </a:rPr>
-              <a:t>“Se você não pode me dar poesia, poderia me dar ciência poética?”</a:t>
+              <a:t>“</a:t>
+            </a:r>
+            <a:r>
+              <a:rPr lang="pt-BR" dirty="0" smtClean="0">
+                <a:solidFill>
+                  <a:schemeClr val="accent6">
+                    <a:lumMod val="10000"/>
+                  </a:schemeClr>
+                </a:solidFill>
+              </a:rPr>
+              <a:t>Eu acredito que </a:t>
+            </a:r>
+            <a:r>
+              <a:rPr lang="pt-BR" dirty="0" smtClean="0">
+                <a:solidFill>
+                  <a:schemeClr val="accent6">
+                    <a:lumMod val="10000"/>
+                  </a:schemeClr>
+                </a:solidFill>
+              </a:rPr>
+              <a:t>às </a:t>
+            </a:r>
+            <a:r>
+              <a:rPr lang="pt-BR" dirty="0" smtClean="0">
+                <a:solidFill>
+                  <a:schemeClr val="accent6">
+                    <a:lumMod val="10000"/>
+                  </a:schemeClr>
+                </a:solidFill>
+              </a:rPr>
+              <a:t>vezes são as pessoas que ninguém espera nada que fazem as coisas que ninguém consegue imaginar.”</a:t>
             </a:r>
             <a:endParaRPr lang="pt-BR" dirty="0">
               <a:solidFill>
@@ -7924,6 +7957,38 @@
           </a:p>
         </p:txBody>
       </p:sp>
+      <p:pic>
+        <p:nvPicPr>
+          <p:cNvPr id="1027" name="Picture 3"/>
+          <p:cNvPicPr>
+            <a:picLocks noChangeAspect="1" noChangeArrowheads="1"/>
+          </p:cNvPicPr>
+          <p:nvPr/>
+        </p:nvPicPr>
+        <p:blipFill>
+          <a:blip r:embed="rId2" cstate="print"/>
+          <a:srcRect/>
+          <a:stretch>
+            <a:fillRect/>
+          </a:stretch>
+        </p:blipFill>
+        <p:spPr bwMode="auto">
+          <a:xfrm>
+            <a:off x="6593016" y="0"/>
+            <a:ext cx="2550984" cy="6858000"/>
+          </a:xfrm>
+          <a:prstGeom prst="rect">
+            <a:avLst/>
+          </a:prstGeom>
+          <a:noFill/>
+          <a:ln w="9525">
+            <a:noFill/>
+            <a:miter lim="800000"/>
+            <a:headEnd/>
+            <a:tailEnd/>
+          </a:ln>
+        </p:spPr>
+      </p:pic>
     </p:spTree>
   </p:cSld>
   <p:clrMapOvr>
@@ -8266,11 +8331,7 @@
             <a:pPr algn="ctr"/>
             <a:r>
               <a:rPr lang="pt-BR" dirty="0" smtClean="0"/>
-              <a:t>v</a:t>
-            </a:r>
-            <a:r>
-              <a:rPr lang="pt-BR" dirty="0" smtClean="0"/>
-              <a:t>alor &lt; 0 ?</a:t>
+              <a:t>valor &lt; 0 ?</a:t>
             </a:r>
             <a:endParaRPr lang="pt-BR" dirty="0"/>
           </a:p>
@@ -8314,11 +8375,7 @@
             <a:pPr algn="ctr"/>
             <a:r>
               <a:rPr lang="pt-BR" dirty="0" smtClean="0"/>
-              <a:t>v</a:t>
-            </a:r>
-            <a:r>
-              <a:rPr lang="pt-BR" dirty="0" smtClean="0"/>
-              <a:t>alor </a:t>
+              <a:t>valor </a:t>
             </a:r>
             <a:r>
               <a:rPr lang="pt-BR" dirty="0" smtClean="0">
@@ -9582,26 +9639,14 @@
             <a:pPr lvl="2"/>
             <a:r>
               <a:rPr lang="pt-BR" dirty="0" smtClean="0"/>
-              <a:t>https</a:t>
-            </a:r>
+              <a:t>https://panda.ime.usp.br/pensepy/static/pensepy</a:t>
+            </a:r>
+          </a:p>
+          <a:p>
+            <a:pPr lvl="1"/>
             <a:r>
               <a:rPr lang="pt-BR" dirty="0" smtClean="0"/>
-              <a:t>://</a:t>
-            </a:r>
-            <a:r>
-              <a:rPr lang="pt-BR" dirty="0" smtClean="0"/>
-              <a:t>panda.ime.usp.br/pensepy/static/pensepy</a:t>
-            </a:r>
-          </a:p>
-          <a:p>
-            <a:pPr lvl="1"/>
-            <a:r>
-              <a:rPr lang="pt-BR" dirty="0" smtClean="0"/>
-              <a:t>Programando em Python - </a:t>
-            </a:r>
-            <a:r>
-              <a:rPr lang="pt-BR" dirty="0" smtClean="0"/>
-              <a:t>DCC/UFRJ</a:t>
+              <a:t>Programando em Python - DCC/UFRJ</a:t>
             </a:r>
           </a:p>
           <a:p>
@@ -9793,6 +9838,13 @@
   <p:clrMapOvr>
     <a:masterClrMapping/>
   </p:clrMapOvr>
+  <p:timing>
+    <p:tnLst>
+      <p:par>
+        <p:cTn id="1" dur="indefinite" restart="never" nodeType="tmRoot"/>
+      </p:par>
+    </p:tnLst>
+  </p:timing>
 </p:sld>
 </file>
 
@@ -10006,7 +10058,6 @@
               <a:rPr lang="pt-BR" dirty="0" smtClean="0"/>
               <a:t>Compostos</a:t>
             </a:r>
-            <a:endParaRPr lang="pt-BR" dirty="0" smtClean="0"/>
           </a:p>
           <a:p>
             <a:pPr lvl="2"/>
@@ -10137,11 +10188,7 @@
             <a:pPr lvl="1"/>
             <a:r>
               <a:rPr lang="pt-BR" dirty="0" smtClean="0"/>
-              <a:t>type(True</a:t>
-            </a:r>
-            <a:r>
-              <a:rPr lang="pt-BR" dirty="0" smtClean="0"/>
-              <a:t>)</a:t>
+              <a:t>type(True)</a:t>
             </a:r>
           </a:p>
           <a:p>
@@ -10600,11 +10647,7 @@
             <a:pPr algn="ctr"/>
             <a:r>
               <a:rPr lang="pt-BR" dirty="0" smtClean="0"/>
-              <a:t>v</a:t>
-            </a:r>
-            <a:r>
-              <a:rPr lang="pt-BR" dirty="0" smtClean="0"/>
-              <a:t>alor </a:t>
+              <a:t>valor </a:t>
             </a:r>
             <a:r>
               <a:rPr lang="pt-BR" dirty="0" smtClean="0">
@@ -11468,11 +11511,7 @@
             <a:pPr algn="ctr"/>
             <a:r>
               <a:rPr lang="pt-BR" dirty="0" smtClean="0"/>
-              <a:t>v</a:t>
-            </a:r>
-            <a:r>
-              <a:rPr lang="pt-BR" dirty="0" smtClean="0"/>
-              <a:t>alor=0?</a:t>
+              <a:t>valor=0?</a:t>
             </a:r>
             <a:endParaRPr lang="pt-BR" dirty="0"/>
           </a:p>
@@ -11523,14 +11562,7 @@
                 <a:latin typeface="Times New Roman"/>
                 <a:cs typeface="Times New Roman"/>
               </a:rPr>
-              <a:t> </a:t>
-            </a:r>
-            <a:r>
-              <a:rPr lang="pt-BR" sz="1600" dirty="0" smtClean="0">
-                <a:latin typeface="Times New Roman"/>
-                <a:cs typeface="Times New Roman"/>
-              </a:rPr>
-              <a:t>←</a:t>
+              <a:t> ←</a:t>
             </a:r>
             <a:r>
               <a:rPr lang="pt-BR" sz="1600" dirty="0" smtClean="0"/>
@@ -11589,11 +11621,7 @@
             </a:r>
             <a:r>
               <a:rPr lang="pt-BR" sz="1600" dirty="0" smtClean="0"/>
-              <a:t> </a:t>
-            </a:r>
-            <a:r>
-              <a:rPr lang="pt-BR" sz="1600" dirty="0" smtClean="0"/>
-              <a:t>valor</a:t>
+              <a:t> valor</a:t>
             </a:r>
             <a:endParaRPr lang="pt-BR" sz="1600" dirty="0"/>
           </a:p>

--- a/LogicaDeProgramacao/Aula04-PythonResumo/04-PythonResumo.pptx
+++ b/LogicaDeProgramacao/Aula04-PythonResumo/04-PythonResumo.pptx
@@ -316,7 +316,7 @@
               <a:pPr>
                 <a:defRPr/>
               </a:pPr>
-              <a:t>29/08/2018</a:t>
+              <a:t>05/09/2018</a:t>
             </a:fld>
             <a:endParaRPr lang="pt-BR"/>
           </a:p>
@@ -508,7 +508,7 @@
               <a:pPr>
                 <a:defRPr/>
               </a:pPr>
-              <a:t>29/08/2018</a:t>
+              <a:t>05/09/2018</a:t>
             </a:fld>
             <a:endParaRPr lang="pt-BR"/>
           </a:p>
@@ -710,7 +710,7 @@
               <a:pPr>
                 <a:defRPr/>
               </a:pPr>
-              <a:t>29/08/2018</a:t>
+              <a:t>05/09/2018</a:t>
             </a:fld>
             <a:endParaRPr lang="pt-BR"/>
           </a:p>
@@ -991,7 +991,7 @@
             <a:fld id="{2E700DB3-DBF0-4086-B675-117E7A9610B8}" type="datetimeFigureOut">
               <a:rPr lang="pt-BR" smtClean="0"/>
               <a:pPr/>
-              <a:t>29/08/2018</a:t>
+              <a:t>05/09/2018</a:t>
             </a:fld>
             <a:endParaRPr lang="pt-BR"/>
           </a:p>
@@ -1357,7 +1357,7 @@
             <a:fld id="{2E700DB3-DBF0-4086-B675-117E7A9610B8}" type="datetimeFigureOut">
               <a:rPr lang="pt-BR" smtClean="0"/>
               <a:pPr/>
-              <a:t>29/08/2018</a:t>
+              <a:t>05/09/2018</a:t>
             </a:fld>
             <a:endParaRPr lang="pt-BR"/>
           </a:p>
@@ -1420,12 +1420,6 @@
               </a:rPr>
               <a:t>Alan Turing</a:t>
             </a:r>
-            <a:endParaRPr lang="pt-BR" b="1" dirty="0" smtClean="0">
-              <a:solidFill>
-                <a:schemeClr val="bg1"/>
-              </a:solidFill>
-              <a:latin typeface="Book Antiqua" pitchFamily="18" charset="0"/>
-            </a:endParaRPr>
           </a:p>
           <a:p>
             <a:r>
@@ -1435,16 +1429,7 @@
                 </a:solidFill>
                 <a:latin typeface="Book Antiqua" pitchFamily="18" charset="0"/>
               </a:rPr>
-              <a:t>(</a:t>
-            </a:r>
-            <a:r>
-              <a:rPr lang="pt-BR" b="1" dirty="0" smtClean="0">
-                <a:solidFill>
-                  <a:schemeClr val="bg1"/>
-                </a:solidFill>
-                <a:latin typeface="Book Antiqua" pitchFamily="18" charset="0"/>
-              </a:rPr>
-              <a:t>1912-1954)</a:t>
+              <a:t>(1912-1954)</a:t>
             </a:r>
             <a:endParaRPr lang="pt-BR" b="1" dirty="0">
               <a:solidFill>
@@ -1685,7 +1670,7 @@
             <a:fld id="{2E700DB3-DBF0-4086-B675-117E7A9610B8}" type="datetimeFigureOut">
               <a:rPr lang="pt-BR" smtClean="0"/>
               <a:pPr/>
-              <a:t>29/08/2018</a:t>
+              <a:t>05/09/2018</a:t>
             </a:fld>
             <a:endParaRPr lang="pt-BR"/>
           </a:p>
@@ -1975,7 +1960,7 @@
             <a:fld id="{2E700DB3-DBF0-4086-B675-117E7A9610B8}" type="datetimeFigureOut">
               <a:rPr lang="pt-BR" smtClean="0"/>
               <a:pPr/>
-              <a:t>29/08/2018</a:t>
+              <a:t>05/09/2018</a:t>
             </a:fld>
             <a:endParaRPr lang="pt-BR"/>
           </a:p>
@@ -2531,7 +2516,7 @@
             <a:fld id="{2E700DB3-DBF0-4086-B675-117E7A9610B8}" type="datetimeFigureOut">
               <a:rPr lang="pt-BR" smtClean="0"/>
               <a:pPr/>
-              <a:t>29/08/2018</a:t>
+              <a:t>05/09/2018</a:t>
             </a:fld>
             <a:endParaRPr lang="pt-BR"/>
           </a:p>
@@ -2664,7 +2649,7 @@
             <a:fld id="{2E700DB3-DBF0-4086-B675-117E7A9610B8}" type="datetimeFigureOut">
               <a:rPr lang="pt-BR" smtClean="0"/>
               <a:pPr/>
-              <a:t>29/08/2018</a:t>
+              <a:t>05/09/2018</a:t>
             </a:fld>
             <a:endParaRPr lang="pt-BR"/>
           </a:p>
@@ -2816,7 +2801,7 @@
             <a:fld id="{2E700DB3-DBF0-4086-B675-117E7A9610B8}" type="datetimeFigureOut">
               <a:rPr lang="pt-BR" smtClean="0"/>
               <a:pPr/>
-              <a:t>29/08/2018</a:t>
+              <a:t>05/09/2018</a:t>
             </a:fld>
             <a:endParaRPr lang="pt-BR"/>
           </a:p>
@@ -3139,7 +3124,7 @@
             <a:fld id="{2E700DB3-DBF0-4086-B675-117E7A9610B8}" type="datetimeFigureOut">
               <a:rPr lang="pt-BR" smtClean="0"/>
               <a:pPr/>
-              <a:t>29/08/2018</a:t>
+              <a:t>05/09/2018</a:t>
             </a:fld>
             <a:endParaRPr lang="pt-BR"/>
           </a:p>
@@ -3338,7 +3323,7 @@
               <a:pPr>
                 <a:defRPr/>
               </a:pPr>
-              <a:t>29/08/2018</a:t>
+              <a:t>05/09/2018</a:t>
             </a:fld>
             <a:endParaRPr lang="pt-BR"/>
           </a:p>
@@ -3630,7 +3615,7 @@
             <a:fld id="{2E700DB3-DBF0-4086-B675-117E7A9610B8}" type="datetimeFigureOut">
               <a:rPr lang="pt-BR" smtClean="0"/>
               <a:pPr/>
-              <a:t>29/08/2018</a:t>
+              <a:t>05/09/2018</a:t>
             </a:fld>
             <a:endParaRPr lang="pt-BR"/>
           </a:p>
@@ -3826,7 +3811,7 @@
             <a:fld id="{2E700DB3-DBF0-4086-B675-117E7A9610B8}" type="datetimeFigureOut">
               <a:rPr lang="pt-BR" smtClean="0"/>
               <a:pPr/>
-              <a:t>29/08/2018</a:t>
+              <a:t>05/09/2018</a:t>
             </a:fld>
             <a:endParaRPr lang="pt-BR"/>
           </a:p>
@@ -4016,7 +4001,7 @@
             <a:fld id="{2E700DB3-DBF0-4086-B675-117E7A9610B8}" type="datetimeFigureOut">
               <a:rPr lang="pt-BR" smtClean="0"/>
               <a:pPr/>
-              <a:t>29/08/2018</a:t>
+              <a:t>05/09/2018</a:t>
             </a:fld>
             <a:endParaRPr lang="pt-BR"/>
           </a:p>
@@ -4106,7 +4091,7 @@
           <a:blip r:embed="rId2" cstate="print">
             <a:extLst>
               <a:ext uri="{BEBA8EAE-BF5A-486C-A8C5-ECC9F3942E4B}">
-                <a14:imgProps xmlns:a14="http://schemas.microsoft.com/office/drawing/2010/main" xmlns="">
+                <a14:imgProps xmlns="" xmlns:a14="http://schemas.microsoft.com/office/drawing/2010/main">
                   <a14:imgLayer r:embed="rId3">
                     <a14:imgEffect>
                       <a14:saturation sat="305000"/>
@@ -4150,7 +4135,7 @@
           <a:blip r:embed="rId4" cstate="print">
             <a:extLst>
               <a:ext uri="{28A0092B-C50C-407E-A947-70E740481C1C}">
-                <a14:useLocalDpi xmlns:a14="http://schemas.microsoft.com/office/drawing/2010/main" xmlns="" val="0"/>
+                <a14:useLocalDpi xmlns="" xmlns:a14="http://schemas.microsoft.com/office/drawing/2010/main" val="0"/>
               </a:ext>
             </a:extLst>
           </a:blip>
@@ -4173,14 +4158,14 @@
           </a:ln>
           <a:extLst>
             <a:ext uri="{909E8E84-426E-40DD-AFC4-6F175D3DCCD1}">
-              <a14:hiddenFill xmlns:a14="http://schemas.microsoft.com/office/drawing/2010/main" xmlns="">
+              <a14:hiddenFill xmlns="" xmlns:a14="http://schemas.microsoft.com/office/drawing/2010/main">
                 <a:solidFill>
                   <a:srgbClr val="FFFFFF"/>
                 </a:solidFill>
               </a14:hiddenFill>
             </a:ext>
             <a:ext uri="{91240B29-F687-4F45-9708-019B960494DF}">
-              <a14:hiddenLine xmlns:a14="http://schemas.microsoft.com/office/drawing/2010/main" xmlns="" w="9525">
+              <a14:hiddenLine xmlns="" xmlns:a14="http://schemas.microsoft.com/office/drawing/2010/main" w="9525">
                 <a:solidFill>
                   <a:srgbClr val="000000"/>
                 </a:solidFill>
@@ -4455,7 +4440,7 @@
               <a:pPr>
                 <a:defRPr/>
               </a:pPr>
-              <a:t>29/08/2018</a:t>
+              <a:t>05/09/2018</a:t>
             </a:fld>
             <a:endParaRPr lang="pt-BR"/>
           </a:p>
@@ -4765,7 +4750,7 @@
               <a:pPr>
                 <a:defRPr/>
               </a:pPr>
-              <a:t>29/08/2018</a:t>
+              <a:t>05/09/2018</a:t>
             </a:fld>
             <a:endParaRPr lang="pt-BR"/>
           </a:p>
@@ -5209,7 +5194,7 @@
               <a:pPr>
                 <a:defRPr/>
               </a:pPr>
-              <a:t>29/08/2018</a:t>
+              <a:t>05/09/2018</a:t>
             </a:fld>
             <a:endParaRPr lang="pt-BR"/>
           </a:p>
@@ -5349,7 +5334,7 @@
               <a:pPr>
                 <a:defRPr/>
               </a:pPr>
-              <a:t>29/08/2018</a:t>
+              <a:t>05/09/2018</a:t>
             </a:fld>
             <a:endParaRPr lang="pt-BR"/>
           </a:p>
@@ -5466,7 +5451,7 @@
               <a:pPr>
                 <a:defRPr/>
               </a:pPr>
-              <a:t>29/08/2018</a:t>
+              <a:t>05/09/2018</a:t>
             </a:fld>
             <a:endParaRPr lang="pt-BR"/>
           </a:p>
@@ -5765,7 +5750,7 @@
               <a:pPr>
                 <a:defRPr/>
               </a:pPr>
-              <a:t>29/08/2018</a:t>
+              <a:t>05/09/2018</a:t>
             </a:fld>
             <a:endParaRPr lang="pt-BR"/>
           </a:p>
@@ -6043,7 +6028,7 @@
               <a:pPr>
                 <a:defRPr/>
               </a:pPr>
-              <a:t>29/08/2018</a:t>
+              <a:t>05/09/2018</a:t>
             </a:fld>
             <a:endParaRPr lang="pt-BR"/>
           </a:p>
@@ -6150,7 +6135,7 @@
           <a:blip r:embed="rId13" cstate="print">
             <a:extLst>
               <a:ext uri="{BEBA8EAE-BF5A-486C-A8C5-ECC9F3942E4B}">
-                <a14:imgProps xmlns:a14="http://schemas.microsoft.com/office/drawing/2010/main" xmlns="">
+                <a14:imgProps xmlns="" xmlns:a14="http://schemas.microsoft.com/office/drawing/2010/main">
                   <a14:imgLayer r:embed="rId14">
                     <a14:imgEffect>
                       <a14:saturation sat="305000"/>
@@ -6337,7 +6322,7 @@
               <a:pPr>
                 <a:defRPr/>
               </a:pPr>
-              <a:t>29/08/2018</a:t>
+              <a:t>05/09/2018</a:t>
             </a:fld>
             <a:endParaRPr lang="pt-BR"/>
           </a:p>
@@ -6474,7 +6459,7 @@
           <a:blip r:embed="rId16" cstate="print">
             <a:extLst>
               <a:ext uri="{28A0092B-C50C-407E-A947-70E740481C1C}">
-                <a14:useLocalDpi xmlns:a14="http://schemas.microsoft.com/office/drawing/2010/main" xmlns="" val="0"/>
+                <a14:useLocalDpi xmlns="" xmlns:a14="http://schemas.microsoft.com/office/drawing/2010/main" val="0"/>
               </a:ext>
             </a:extLst>
           </a:blip>
@@ -6495,14 +6480,14 @@
           </a:ln>
           <a:extLst>
             <a:ext uri="{909E8E84-426E-40DD-AFC4-6F175D3DCCD1}">
-              <a14:hiddenFill xmlns:a14="http://schemas.microsoft.com/office/drawing/2010/main" xmlns="">
+              <a14:hiddenFill xmlns="" xmlns:a14="http://schemas.microsoft.com/office/drawing/2010/main">
                 <a:solidFill>
                   <a:srgbClr val="FFFFFF"/>
                 </a:solidFill>
               </a14:hiddenFill>
             </a:ext>
             <a:ext uri="{91240B29-F687-4F45-9708-019B960494DF}">
-              <a14:hiddenLine xmlns:a14="http://schemas.microsoft.com/office/drawing/2010/main" xmlns="" w="9525">
+              <a14:hiddenLine xmlns="" xmlns:a14="http://schemas.microsoft.com/office/drawing/2010/main" w="9525">
                 <a:solidFill>
                   <a:srgbClr val="000000"/>
                 </a:solidFill>
@@ -7079,7 +7064,7 @@
             <a:fld id="{2E700DB3-DBF0-4086-B675-117E7A9610B8}" type="datetimeFigureOut">
               <a:rPr lang="pt-BR" smtClean="0"/>
               <a:pPr/>
-              <a:t>29/08/2018</a:t>
+              <a:t>05/09/2018</a:t>
             </a:fld>
             <a:endParaRPr lang="pt-BR"/>
           </a:p>
@@ -7915,37 +7900,7 @@
                   </a:schemeClr>
                 </a:solidFill>
               </a:rPr>
-              <a:t>“</a:t>
-            </a:r>
-            <a:r>
-              <a:rPr lang="pt-BR" dirty="0" smtClean="0">
-                <a:solidFill>
-                  <a:schemeClr val="accent6">
-                    <a:lumMod val="10000"/>
-                  </a:schemeClr>
-                </a:solidFill>
-              </a:rPr>
-              <a:t>Eu acredito que </a:t>
-            </a:r>
-            <a:r>
-              <a:rPr lang="pt-BR" dirty="0" smtClean="0">
-                <a:solidFill>
-                  <a:schemeClr val="accent6">
-                    <a:lumMod val="10000"/>
-                  </a:schemeClr>
-                </a:solidFill>
-              </a:rPr>
-              <a:t>às </a:t>
-            </a:r>
-            <a:r>
-              <a:rPr lang="pt-BR" dirty="0" smtClean="0">
-                <a:solidFill>
-                  <a:schemeClr val="accent6">
-                    <a:lumMod val="10000"/>
-                  </a:schemeClr>
-                </a:solidFill>
-              </a:rPr>
-              <a:t>vezes são as pessoas que ninguém espera nada que fazem as coisas que ninguém consegue imaginar.”</a:t>
+              <a:t>“Eu acredito que às vezes são as pessoas que ninguém espera nada que fazem as coisas que ninguém consegue imaginar.”</a:t>
             </a:r>
             <a:endParaRPr lang="pt-BR" dirty="0">
               <a:solidFill>
@@ -8231,7 +8186,15 @@
                       </a:r>
                       <a:r>
                         <a:rPr lang="pt-BR" b="0" dirty="0" smtClean="0"/>
-                        <a:t> (valor &gt; 0):</a:t>
+                        <a:t> (valor </a:t>
+                      </a:r>
+                      <a:r>
+                        <a:rPr lang="pt-BR" b="0" dirty="0" smtClean="0"/>
+                        <a:t>&lt; </a:t>
+                      </a:r>
+                      <a:r>
+                        <a:rPr lang="pt-BR" b="0" dirty="0" smtClean="0"/>
+                        <a:t>0):</a:t>
                       </a:r>
                     </a:p>
                     <a:p>
@@ -8756,6 +8719,13 @@
   <p:clrMapOvr>
     <a:masterClrMapping/>
   </p:clrMapOvr>
+  <p:timing>
+    <p:tnLst>
+      <p:par>
+        <p:cTn id="1" dur="indefinite" restart="never" nodeType="tmRoot"/>
+      </p:par>
+    </p:tnLst>
+  </p:timing>
 </p:sld>
 </file>
 
@@ -9571,6 +9541,13 @@
   <p:clrMapOvr>
     <a:masterClrMapping/>
   </p:clrMapOvr>
+  <p:timing>
+    <p:tnLst>
+      <p:par>
+        <p:cTn id="1" dur="indefinite" restart="never" nodeType="tmRoot"/>
+      </p:par>
+    </p:tnLst>
+  </p:timing>
 </p:sld>
 </file>
 
@@ -9968,6 +9945,13 @@
   <p:clrMapOvr>
     <a:masterClrMapping/>
   </p:clrMapOvr>
+  <p:timing>
+    <p:tnLst>
+      <p:par>
+        <p:cTn id="1" dur="indefinite" restart="never" nodeType="tmRoot"/>
+      </p:par>
+    </p:tnLst>
+  </p:timing>
 </p:sld>
 </file>
 
@@ -10094,6 +10078,13 @@
   <p:clrMapOvr>
     <a:masterClrMapping/>
   </p:clrMapOvr>
+  <p:timing>
+    <p:tnLst>
+      <p:par>
+        <p:cTn id="1" dur="indefinite" restart="never" nodeType="tmRoot"/>
+      </p:par>
+    </p:tnLst>
+  </p:timing>
 </p:sld>
 </file>
 
@@ -10236,6 +10227,13 @@
   <p:clrMapOvr>
     <a:masterClrMapping/>
   </p:clrMapOvr>
+  <p:timing>
+    <p:tnLst>
+      <p:par>
+        <p:cTn id="1" dur="indefinite" restart="never" nodeType="tmRoot"/>
+      </p:par>
+    </p:tnLst>
+  </p:timing>
 </p:sld>
 </file>
 
@@ -10378,6 +10376,13 @@
   <p:clrMapOvr>
     <a:masterClrMapping/>
   </p:clrMapOvr>
+  <p:timing>
+    <p:tnLst>
+      <p:par>
+        <p:cTn id="1" dur="indefinite" restart="never" nodeType="tmRoot"/>
+      </p:par>
+    </p:tnLst>
+  </p:timing>
 </p:sld>
 </file>
 
@@ -10669,6 +10674,13 @@
   <p:clrMapOvr>
     <a:masterClrMapping/>
   </p:clrMapOvr>
+  <p:timing>
+    <p:tnLst>
+      <p:par>
+        <p:cTn id="1" dur="indefinite" restart="never" nodeType="tmRoot"/>
+      </p:par>
+    </p:tnLst>
+  </p:timing>
 </p:sld>
 </file>
 
@@ -11119,6 +11131,13 @@
   <p:clrMapOvr>
     <a:masterClrMapping/>
   </p:clrMapOvr>
+  <p:timing>
+    <p:tnLst>
+      <p:par>
+        <p:cTn id="1" dur="indefinite" restart="never" nodeType="tmRoot"/>
+      </p:par>
+    </p:tnLst>
+  </p:timing>
 </p:sld>
 </file>
 
@@ -12027,6 +12046,13 @@
   <p:clrMapOvr>
     <a:masterClrMapping/>
   </p:clrMapOvr>
+  <p:timing>
+    <p:tnLst>
+      <p:par>
+        <p:cTn id="1" dur="indefinite" restart="never" nodeType="tmRoot"/>
+      </p:par>
+    </p:tnLst>
+  </p:timing>
 </p:sld>
 </file>
 
